--- a/LFAEP2REGEX.pptx
+++ b/LFAEP2REGEX.pptx
@@ -127,6 +127,11 @@
       </a:defRPr>
     </a:lvl9pPr>
   </p:defaultTextStyle>
+  <p:extLst>
+    <p:ext uri="{EFAFB233-063F-42B5-8137-9DF3F51BA10A}">
+      <p15:sldGuideLst xmlns:p15="http://schemas.microsoft.com/office/powerpoint/2012/main"/>
+    </p:ext>
+  </p:extLst>
 </p:presentation>
 </file>
 
@@ -8290,8 +8295,22 @@
           </a:xfrm>
         </p:spPr>
         <p:txBody>
-          <a:bodyPr/>
-          <a:lstStyle/>
+          <a:bodyPr>
+            <a:normAutofit lnSpcReduction="10000"/>
+          </a:bodyPr>
+          <a:lstStyle/>
+          <a:p>
+            <a:pPr marL="0" indent="0">
+              <a:buNone/>
+            </a:pPr>
+            <a:r>
+              <a:rPr lang="pt-BR" dirty="0"/>
+              <a:t>Como achar informações dentro de mensagens de forma rápida?</a:t>
+            </a:r>
+          </a:p>
+          <a:p>
+            <a:endParaRPr lang="pt-BR" dirty="0"/>
+          </a:p>
           <a:p>
             <a:r>
               <a:rPr lang="pt-BR" dirty="0"/>
